--- a/src/ppt5_ar.pptx
+++ b/src/ppt5_ar.pptx
@@ -119,7 +119,7 @@
   </p:defaultTextStyle>
   <p:extLst>
     <p:ext uri="{EFAFB233-063F-42B5-8137-9DF3F51BA10A}">
-      <p15:sldGuideLst xmlns:p15="http://schemas.microsoft.com/office/powerpoint/2012/main">
+      <p15:sldGuideLst xmlns:p15="http://schemas.microsoft.com/office/powerpoint/2012/main" xmlns="">
         <p15:guide id="1" orient="horz" pos="2160">
           <p15:clr>
             <a:srgbClr val="A4A3A4"/>
@@ -218,7 +218,8 @@
           <a:p>
             <a:fld id="{85DA7483-1C53-40FC-A2C4-1B84877EC98B}" type="datetimeFigureOut">
               <a:rPr lang="he-IL" smtClean="0"/>
-              <a:t>כ"ט/כסלו/תשע"ח</a:t>
+              <a:pPr/>
+              <a:t>י"א/אדר/תשע"ח</a:t>
             </a:fld>
             <a:endParaRPr lang="he-IL"/>
           </a:p>
@@ -377,6 +378,7 @@
           <a:p>
             <a:fld id="{2053CA25-912D-4F98-BB76-6806C69BED35}" type="slidenum">
               <a:rPr lang="he-IL" smtClean="0"/>
+              <a:pPr/>
               <a:t>‹#›</a:t>
             </a:fld>
             <a:endParaRPr lang="he-IL"/>
@@ -386,7 +388,7 @@
     </p:spTree>
     <p:extLst>
       <p:ext uri="{BB962C8B-B14F-4D97-AF65-F5344CB8AC3E}">
-        <p14:creationId xmlns:p14="http://schemas.microsoft.com/office/powerpoint/2010/main" val="938154757"/>
+        <p14:creationId xmlns:p14="http://schemas.microsoft.com/office/powerpoint/2010/main" xmlns="" val="938154757"/>
       </p:ext>
     </p:extLst>
   </p:cSld>
@@ -551,6 +553,7 @@
           <a:p>
             <a:fld id="{2053CA25-912D-4F98-BB76-6806C69BED35}" type="slidenum">
               <a:rPr lang="he-IL" smtClean="0"/>
+              <a:pPr/>
               <a:t>7</a:t>
             </a:fld>
             <a:endParaRPr lang="he-IL"/>
@@ -560,7 +563,7 @@
     </p:spTree>
     <p:extLst>
       <p:ext uri="{BB962C8B-B14F-4D97-AF65-F5344CB8AC3E}">
-        <p14:creationId xmlns:p14="http://schemas.microsoft.com/office/powerpoint/2010/main" val="2873065283"/>
+        <p14:creationId xmlns:p14="http://schemas.microsoft.com/office/powerpoint/2010/main" xmlns="" val="2873065283"/>
       </p:ext>
     </p:extLst>
   </p:cSld>
@@ -1293,7 +1296,7 @@
             <a:fld id="{48A87A34-81AB-432B-8DAE-1953F412C126}" type="datetimeFigureOut">
               <a:rPr lang="en-US" smtClean="0"/>
               <a:pPr/>
-              <a:t>12/17/2017</a:t>
+              <a:t>2/26/2018</a:t>
             </a:fld>
             <a:endParaRPr lang="en-US" dirty="0"/>
           </a:p>
@@ -1345,7 +1348,7 @@
     </p:spTree>
     <p:extLst>
       <p:ext uri="{BB962C8B-B14F-4D97-AF65-F5344CB8AC3E}">
-        <p14:creationId xmlns:p14="http://schemas.microsoft.com/office/powerpoint/2010/main" val="2379700270"/>
+        <p14:creationId xmlns:p14="http://schemas.microsoft.com/office/powerpoint/2010/main" xmlns="" val="2379700270"/>
       </p:ext>
     </p:extLst>
   </p:cSld>
@@ -1546,7 +1549,7 @@
             <a:fld id="{48A87A34-81AB-432B-8DAE-1953F412C126}" type="datetimeFigureOut">
               <a:rPr lang="en-US" smtClean="0"/>
               <a:pPr/>
-              <a:t>12/17/2017</a:t>
+              <a:t>2/26/2018</a:t>
             </a:fld>
             <a:endParaRPr lang="en-US" dirty="0"/>
           </a:p>
@@ -1598,7 +1601,7 @@
     </p:spTree>
     <p:extLst>
       <p:ext uri="{BB962C8B-B14F-4D97-AF65-F5344CB8AC3E}">
-        <p14:creationId xmlns:p14="http://schemas.microsoft.com/office/powerpoint/2010/main" val="1804991245"/>
+        <p14:creationId xmlns:p14="http://schemas.microsoft.com/office/powerpoint/2010/main" xmlns="" val="1804991245"/>
       </p:ext>
     </p:extLst>
   </p:cSld>
@@ -1862,7 +1865,7 @@
             <a:fld id="{48A87A34-81AB-432B-8DAE-1953F412C126}" type="datetimeFigureOut">
               <a:rPr lang="en-US" smtClean="0"/>
               <a:pPr/>
-              <a:t>12/17/2017</a:t>
+              <a:t>2/26/2018</a:t>
             </a:fld>
             <a:endParaRPr lang="en-US" dirty="0"/>
           </a:p>
@@ -2004,7 +2007,7 @@
     </p:spTree>
     <p:extLst>
       <p:ext uri="{BB962C8B-B14F-4D97-AF65-F5344CB8AC3E}">
-        <p14:creationId xmlns:p14="http://schemas.microsoft.com/office/powerpoint/2010/main" val="1473712570"/>
+        <p14:creationId xmlns:p14="http://schemas.microsoft.com/office/powerpoint/2010/main" xmlns="" val="1473712570"/>
       </p:ext>
     </p:extLst>
   </p:cSld>
@@ -2205,7 +2208,7 @@
             <a:fld id="{48A87A34-81AB-432B-8DAE-1953F412C126}" type="datetimeFigureOut">
               <a:rPr lang="en-US" smtClean="0"/>
               <a:pPr/>
-              <a:t>12/17/2017</a:t>
+              <a:t>2/26/2018</a:t>
             </a:fld>
             <a:endParaRPr lang="en-US" dirty="0"/>
           </a:p>
@@ -2257,7 +2260,7 @@
     </p:spTree>
     <p:extLst>
       <p:ext uri="{BB962C8B-B14F-4D97-AF65-F5344CB8AC3E}">
-        <p14:creationId xmlns:p14="http://schemas.microsoft.com/office/powerpoint/2010/main" val="2530574234"/>
+        <p14:creationId xmlns:p14="http://schemas.microsoft.com/office/powerpoint/2010/main" xmlns="" val="2530574234"/>
       </p:ext>
     </p:extLst>
   </p:cSld>
@@ -2521,7 +2524,7 @@
             <a:fld id="{48A87A34-81AB-432B-8DAE-1953F412C126}" type="datetimeFigureOut">
               <a:rPr lang="en-US" smtClean="0"/>
               <a:pPr/>
-              <a:t>12/17/2017</a:t>
+              <a:t>2/26/2018</a:t>
             </a:fld>
             <a:endParaRPr lang="en-US" dirty="0"/>
           </a:p>
@@ -2655,7 +2658,7 @@
     </p:spTree>
     <p:extLst>
       <p:ext uri="{BB962C8B-B14F-4D97-AF65-F5344CB8AC3E}">
-        <p14:creationId xmlns:p14="http://schemas.microsoft.com/office/powerpoint/2010/main" val="1004790222"/>
+        <p14:creationId xmlns:p14="http://schemas.microsoft.com/office/powerpoint/2010/main" xmlns="" val="1004790222"/>
       </p:ext>
     </p:extLst>
   </p:cSld>
@@ -2916,7 +2919,7 @@
             <a:fld id="{48A87A34-81AB-432B-8DAE-1953F412C126}" type="datetimeFigureOut">
               <a:rPr lang="en-US" smtClean="0"/>
               <a:pPr/>
-              <a:t>12/17/2017</a:t>
+              <a:t>2/26/2018</a:t>
             </a:fld>
             <a:endParaRPr lang="en-US" dirty="0"/>
           </a:p>
@@ -2968,7 +2971,7 @@
     </p:spTree>
     <p:extLst>
       <p:ext uri="{BB962C8B-B14F-4D97-AF65-F5344CB8AC3E}">
-        <p14:creationId xmlns:p14="http://schemas.microsoft.com/office/powerpoint/2010/main" val="3328784466"/>
+        <p14:creationId xmlns:p14="http://schemas.microsoft.com/office/powerpoint/2010/main" xmlns="" val="3328784466"/>
       </p:ext>
     </p:extLst>
   </p:cSld>
@@ -3088,7 +3091,7 @@
             <a:fld id="{48A87A34-81AB-432B-8DAE-1953F412C126}" type="datetimeFigureOut">
               <a:rPr lang="en-US" smtClean="0"/>
               <a:pPr/>
-              <a:t>12/17/2017</a:t>
+              <a:t>2/26/2018</a:t>
             </a:fld>
             <a:endParaRPr lang="en-US" dirty="0"/>
           </a:p>
@@ -3140,7 +3143,7 @@
     </p:spTree>
     <p:extLst>
       <p:ext uri="{BB962C8B-B14F-4D97-AF65-F5344CB8AC3E}">
-        <p14:creationId xmlns:p14="http://schemas.microsoft.com/office/powerpoint/2010/main" val="1447070425"/>
+        <p14:creationId xmlns:p14="http://schemas.microsoft.com/office/powerpoint/2010/main" xmlns="" val="1447070425"/>
       </p:ext>
     </p:extLst>
   </p:cSld>
@@ -3270,7 +3273,7 @@
             <a:fld id="{48A87A34-81AB-432B-8DAE-1953F412C126}" type="datetimeFigureOut">
               <a:rPr lang="en-US" smtClean="0"/>
               <a:pPr/>
-              <a:t>12/17/2017</a:t>
+              <a:t>2/26/2018</a:t>
             </a:fld>
             <a:endParaRPr lang="en-US" dirty="0"/>
           </a:p>
@@ -3322,7 +3325,7 @@
     </p:spTree>
     <p:extLst>
       <p:ext uri="{BB962C8B-B14F-4D97-AF65-F5344CB8AC3E}">
-        <p14:creationId xmlns:p14="http://schemas.microsoft.com/office/powerpoint/2010/main" val="3648480235"/>
+        <p14:creationId xmlns:p14="http://schemas.microsoft.com/office/powerpoint/2010/main" xmlns="" val="3648480235"/>
       </p:ext>
     </p:extLst>
   </p:cSld>
@@ -3448,7 +3451,7 @@
             <a:fld id="{48A87A34-81AB-432B-8DAE-1953F412C126}" type="datetimeFigureOut">
               <a:rPr lang="en-US" smtClean="0"/>
               <a:pPr/>
-              <a:t>12/17/2017</a:t>
+              <a:t>2/26/2018</a:t>
             </a:fld>
             <a:endParaRPr lang="en-US" dirty="0"/>
           </a:p>
@@ -3500,7 +3503,7 @@
     </p:spTree>
     <p:extLst>
       <p:ext uri="{BB962C8B-B14F-4D97-AF65-F5344CB8AC3E}">
-        <p14:creationId xmlns:p14="http://schemas.microsoft.com/office/powerpoint/2010/main" val="2649633687"/>
+        <p14:creationId xmlns:p14="http://schemas.microsoft.com/office/powerpoint/2010/main" xmlns="" val="2649633687"/>
       </p:ext>
     </p:extLst>
   </p:cSld>
@@ -3697,7 +3700,7 @@
             <a:fld id="{48A87A34-81AB-432B-8DAE-1953F412C126}" type="datetimeFigureOut">
               <a:rPr lang="en-US" smtClean="0"/>
               <a:pPr/>
-              <a:t>12/17/2017</a:t>
+              <a:t>2/26/2018</a:t>
             </a:fld>
             <a:endParaRPr lang="en-US" dirty="0"/>
           </a:p>
@@ -3749,7 +3752,7 @@
     </p:spTree>
     <p:extLst>
       <p:ext uri="{BB962C8B-B14F-4D97-AF65-F5344CB8AC3E}">
-        <p14:creationId xmlns:p14="http://schemas.microsoft.com/office/powerpoint/2010/main" val="572893903"/>
+        <p14:creationId xmlns:p14="http://schemas.microsoft.com/office/powerpoint/2010/main" xmlns="" val="572893903"/>
       </p:ext>
     </p:extLst>
   </p:cSld>
@@ -3931,7 +3934,7 @@
             <a:fld id="{48A87A34-81AB-432B-8DAE-1953F412C126}" type="datetimeFigureOut">
               <a:rPr lang="en-US" smtClean="0"/>
               <a:pPr/>
-              <a:t>12/17/2017</a:t>
+              <a:t>2/26/2018</a:t>
             </a:fld>
             <a:endParaRPr lang="en-US" dirty="0"/>
           </a:p>
@@ -3983,7 +3986,7 @@
     </p:spTree>
     <p:extLst>
       <p:ext uri="{BB962C8B-B14F-4D97-AF65-F5344CB8AC3E}">
-        <p14:creationId xmlns:p14="http://schemas.microsoft.com/office/powerpoint/2010/main" val="3918475607"/>
+        <p14:creationId xmlns:p14="http://schemas.microsoft.com/office/powerpoint/2010/main" xmlns="" val="3918475607"/>
       </p:ext>
     </p:extLst>
   </p:cSld>
@@ -4307,7 +4310,7 @@
             <a:fld id="{48A87A34-81AB-432B-8DAE-1953F412C126}" type="datetimeFigureOut">
               <a:rPr lang="en-US" smtClean="0"/>
               <a:pPr/>
-              <a:t>12/17/2017</a:t>
+              <a:t>2/26/2018</a:t>
             </a:fld>
             <a:endParaRPr lang="en-US" dirty="0"/>
           </a:p>
@@ -4359,7 +4362,7 @@
     </p:spTree>
     <p:extLst>
       <p:ext uri="{BB962C8B-B14F-4D97-AF65-F5344CB8AC3E}">
-        <p14:creationId xmlns:p14="http://schemas.microsoft.com/office/powerpoint/2010/main" val="70569158"/>
+        <p14:creationId xmlns:p14="http://schemas.microsoft.com/office/powerpoint/2010/main" xmlns="" val="70569158"/>
       </p:ext>
     </p:extLst>
   </p:cSld>
@@ -4432,7 +4435,7 @@
             <a:fld id="{48A87A34-81AB-432B-8DAE-1953F412C126}" type="datetimeFigureOut">
               <a:rPr lang="en-US" smtClean="0"/>
               <a:pPr/>
-              <a:t>12/17/2017</a:t>
+              <a:t>2/26/2018</a:t>
             </a:fld>
             <a:endParaRPr lang="en-US" dirty="0"/>
           </a:p>
@@ -4484,7 +4487,7 @@
     </p:spTree>
     <p:extLst>
       <p:ext uri="{BB962C8B-B14F-4D97-AF65-F5344CB8AC3E}">
-        <p14:creationId xmlns:p14="http://schemas.microsoft.com/office/powerpoint/2010/main" val="3956773614"/>
+        <p14:creationId xmlns:p14="http://schemas.microsoft.com/office/powerpoint/2010/main" xmlns="" val="3956773614"/>
       </p:ext>
     </p:extLst>
   </p:cSld>
@@ -4529,7 +4532,7 @@
             <a:fld id="{48A87A34-81AB-432B-8DAE-1953F412C126}" type="datetimeFigureOut">
               <a:rPr lang="en-US" smtClean="0"/>
               <a:pPr/>
-              <a:t>12/17/2017</a:t>
+              <a:t>2/26/2018</a:t>
             </a:fld>
             <a:endParaRPr lang="en-US" dirty="0"/>
           </a:p>
@@ -4581,7 +4584,7 @@
     </p:spTree>
     <p:extLst>
       <p:ext uri="{BB962C8B-B14F-4D97-AF65-F5344CB8AC3E}">
-        <p14:creationId xmlns:p14="http://schemas.microsoft.com/office/powerpoint/2010/main" val="843387325"/>
+        <p14:creationId xmlns:p14="http://schemas.microsoft.com/office/powerpoint/2010/main" xmlns="" val="843387325"/>
       </p:ext>
     </p:extLst>
   </p:cSld>
@@ -4786,7 +4789,7 @@
             <a:fld id="{48A87A34-81AB-432B-8DAE-1953F412C126}" type="datetimeFigureOut">
               <a:rPr lang="en-US" smtClean="0"/>
               <a:pPr/>
-              <a:t>12/17/2017</a:t>
+              <a:t>2/26/2018</a:t>
             </a:fld>
             <a:endParaRPr lang="en-US" dirty="0"/>
           </a:p>
@@ -4838,7 +4841,7 @@
     </p:spTree>
     <p:extLst>
       <p:ext uri="{BB962C8B-B14F-4D97-AF65-F5344CB8AC3E}">
-        <p14:creationId xmlns:p14="http://schemas.microsoft.com/office/powerpoint/2010/main" val="614752468"/>
+        <p14:creationId xmlns:p14="http://schemas.microsoft.com/office/powerpoint/2010/main" xmlns="" val="614752468"/>
       </p:ext>
     </p:extLst>
   </p:cSld>
@@ -5051,7 +5054,7 @@
             <a:fld id="{48A87A34-81AB-432B-8DAE-1953F412C126}" type="datetimeFigureOut">
               <a:rPr lang="en-US" smtClean="0"/>
               <a:pPr/>
-              <a:t>12/17/2017</a:t>
+              <a:t>2/26/2018</a:t>
             </a:fld>
             <a:endParaRPr lang="en-US" dirty="0"/>
           </a:p>
@@ -5103,7 +5106,7 @@
     </p:spTree>
     <p:extLst>
       <p:ext uri="{BB962C8B-B14F-4D97-AF65-F5344CB8AC3E}">
-        <p14:creationId xmlns:p14="http://schemas.microsoft.com/office/powerpoint/2010/main" val="2525773852"/>
+        <p14:creationId xmlns:p14="http://schemas.microsoft.com/office/powerpoint/2010/main" xmlns="" val="2525773852"/>
       </p:ext>
     </p:extLst>
   </p:cSld>
@@ -5796,7 +5799,7 @@
             <a:fld id="{48A87A34-81AB-432B-8DAE-1953F412C126}" type="datetimeFigureOut">
               <a:rPr lang="en-US" smtClean="0"/>
               <a:pPr/>
-              <a:t>12/17/2017</a:t>
+              <a:t>2/26/2018</a:t>
             </a:fld>
             <a:endParaRPr lang="en-US" dirty="0"/>
           </a:p>
@@ -5882,7 +5885,7 @@
     </p:spTree>
     <p:extLst>
       <p:ext uri="{BB962C8B-B14F-4D97-AF65-F5344CB8AC3E}">
-        <p14:creationId xmlns:p14="http://schemas.microsoft.com/office/powerpoint/2010/main" val="2849168193"/>
+        <p14:creationId xmlns:p14="http://schemas.microsoft.com/office/powerpoint/2010/main" xmlns="" val="2849168193"/>
       </p:ext>
     </p:extLst>
   </p:cSld>
@@ -6345,59 +6348,59 @@
           <a:p>
             <a:pPr algn="ctr"/>
             <a:r>
-              <a:rPr lang="ar-EG" sz="8800" dirty="0" smtClean="0">
+              <a:rPr lang="ar-EG" sz="7200" dirty="0" smtClean="0">
                 <a:latin typeface="Ara Hamah Alislam" panose="00000500000000000000" pitchFamily="2" charset="-78"/>
                 <a:cs typeface="Ara Hamah Alislam" panose="00000500000000000000" pitchFamily="2" charset="-78"/>
               </a:rPr>
               <a:t>هيا لنبرمج الروبوت </a:t>
             </a:r>
             <a:r>
-              <a:rPr lang="he-IL" sz="8800" dirty="0" smtClean="0">
+              <a:rPr lang="he-IL" sz="7200" dirty="0" smtClean="0">
                 <a:latin typeface="Ara Hamah Alislam" panose="00000500000000000000" pitchFamily="2" charset="-78"/>
               </a:rPr>
               <a:t>!</a:t>
             </a:r>
             <a:r>
-              <a:rPr lang="en-US" sz="8800" dirty="0" smtClean="0">
+              <a:rPr lang="en-US" sz="7200" dirty="0" smtClean="0">
                 <a:latin typeface="Ara Hamah Alislam" panose="00000500000000000000" pitchFamily="2" charset="-78"/>
                 <a:cs typeface="Ara Hamah Alislam" panose="00000500000000000000" pitchFamily="2" charset="-78"/>
               </a:rPr>
               <a:t/>
             </a:r>
             <a:br>
-              <a:rPr lang="en-US" sz="8800" dirty="0" smtClean="0">
+              <a:rPr lang="en-US" sz="7200" dirty="0" smtClean="0">
                 <a:latin typeface="Ara Hamah Alislam" panose="00000500000000000000" pitchFamily="2" charset="-78"/>
                 <a:cs typeface="Ara Hamah Alislam" panose="00000500000000000000" pitchFamily="2" charset="-78"/>
               </a:rPr>
             </a:br>
             <a:r>
-              <a:rPr lang="ar-EG" sz="8800" dirty="0" smtClean="0">
+              <a:rPr lang="ar-EG" sz="7200" dirty="0" smtClean="0">
                 <a:latin typeface="Ara Hamah Alislam" panose="00000500000000000000" pitchFamily="2" charset="-78"/>
                 <a:cs typeface="Ara Hamah Alislam" panose="00000500000000000000" pitchFamily="2" charset="-78"/>
               </a:rPr>
               <a:t>تشغيل محركات الروبوت</a:t>
             </a:r>
             <a:r>
-              <a:rPr lang="en-US" sz="8800" dirty="0" smtClean="0">
+              <a:rPr lang="en-US" sz="7200" dirty="0" smtClean="0">
                 <a:latin typeface="Ara Hamah Alislam" panose="00000500000000000000" pitchFamily="2" charset="-78"/>
                 <a:cs typeface="Ara Hamah Alislam" panose="00000500000000000000" pitchFamily="2" charset="-78"/>
               </a:rPr>
               <a:t/>
             </a:r>
             <a:br>
-              <a:rPr lang="en-US" sz="8800" dirty="0" smtClean="0">
+              <a:rPr lang="en-US" sz="7200" dirty="0" smtClean="0">
                 <a:latin typeface="Ara Hamah Alislam" panose="00000500000000000000" pitchFamily="2" charset="-78"/>
                 <a:cs typeface="Ara Hamah Alislam" panose="00000500000000000000" pitchFamily="2" charset="-78"/>
               </a:rPr>
             </a:br>
             <a:r>
-              <a:rPr lang="ar-EG" sz="8800" dirty="0" smtClean="0">
+              <a:rPr lang="ar-EG" sz="7200" dirty="0" smtClean="0">
                 <a:latin typeface="Ara Hamah Alislam" panose="00000500000000000000" pitchFamily="2" charset="-78"/>
                 <a:cs typeface="Ara Hamah Alislam" panose="00000500000000000000" pitchFamily="2" charset="-78"/>
               </a:rPr>
               <a:t>تنفيذ مختلف أنواع الحركات </a:t>
             </a:r>
-            <a:endParaRPr lang="he-IL" sz="8800" dirty="0">
+            <a:endParaRPr lang="he-IL" sz="7200" dirty="0">
               <a:latin typeface="Ara Hamah Alislam" panose="00000500000000000000" pitchFamily="2" charset="-78"/>
             </a:endParaRPr>
           </a:p>
@@ -6406,7 +6409,7 @@
     </p:spTree>
     <p:extLst>
       <p:ext uri="{BB962C8B-B14F-4D97-AF65-F5344CB8AC3E}">
-        <p14:creationId xmlns:p14="http://schemas.microsoft.com/office/powerpoint/2010/main" val="1597654807"/>
+        <p14:creationId xmlns:p14="http://schemas.microsoft.com/office/powerpoint/2010/main" xmlns="" val="1597654807"/>
       </p:ext>
     </p:extLst>
   </p:cSld>
@@ -6667,7 +6670,7 @@
     </p:spTree>
     <p:extLst>
       <p:ext uri="{BB962C8B-B14F-4D97-AF65-F5344CB8AC3E}">
-        <p14:creationId xmlns:p14="http://schemas.microsoft.com/office/powerpoint/2010/main" val="999608912"/>
+        <p14:creationId xmlns:p14="http://schemas.microsoft.com/office/powerpoint/2010/main" xmlns="" val="999608912"/>
       </p:ext>
     </p:extLst>
   </p:cSld>
@@ -6855,7 +6858,7 @@
     </p:spTree>
     <p:extLst>
       <p:ext uri="{BB962C8B-B14F-4D97-AF65-F5344CB8AC3E}">
-        <p14:creationId xmlns:p14="http://schemas.microsoft.com/office/powerpoint/2010/main" val="306391445"/>
+        <p14:creationId xmlns:p14="http://schemas.microsoft.com/office/powerpoint/2010/main" xmlns="" val="306391445"/>
       </p:ext>
     </p:extLst>
   </p:cSld>
@@ -7061,7 +7064,7 @@
     </p:spTree>
     <p:extLst>
       <p:ext uri="{BB962C8B-B14F-4D97-AF65-F5344CB8AC3E}">
-        <p14:creationId xmlns:p14="http://schemas.microsoft.com/office/powerpoint/2010/main" val="2508929371"/>
+        <p14:creationId xmlns:p14="http://schemas.microsoft.com/office/powerpoint/2010/main" xmlns="" val="2508929371"/>
       </p:ext>
     </p:extLst>
   </p:cSld>
@@ -7230,7 +7233,7 @@
     </p:spTree>
     <p:extLst>
       <p:ext uri="{BB962C8B-B14F-4D97-AF65-F5344CB8AC3E}">
-        <p14:creationId xmlns:p14="http://schemas.microsoft.com/office/powerpoint/2010/main" val="2508929371"/>
+        <p14:creationId xmlns:p14="http://schemas.microsoft.com/office/powerpoint/2010/main" xmlns="" val="2508929371"/>
       </p:ext>
     </p:extLst>
   </p:cSld>
@@ -7368,24 +7371,33 @@
                 <a:latin typeface="Ara Hamah Alislam" panose="00000500000000000000" pitchFamily="2" charset="-78"/>
                 <a:cs typeface="Ara Hamah Alislam" panose="00000500000000000000" pitchFamily="2" charset="-78"/>
               </a:rPr>
-              <a:t> تشغيل الملف "برنامج الارتباط" </a:t>
+              <a:t> تشغيل الملف "برنامج الارتباط"</a:t>
+            </a:r>
+            <a:r>
+              <a:rPr lang="ar-EG" sz="3400" dirty="0" smtClean="0">
+                <a:latin typeface="Arial" pitchFamily="34" charset="0"/>
+                <a:cs typeface="Arial" pitchFamily="34" charset="0"/>
+              </a:rPr>
+              <a:t> </a:t>
             </a:r>
             <a:r>
               <a:rPr lang="he-IL" sz="3400" dirty="0" smtClean="0">
-                <a:latin typeface="Ara Hamah Alislam" panose="00000500000000000000" pitchFamily="2" charset="-78"/>
+                <a:latin typeface="Arial" pitchFamily="34" charset="0"/>
+                <a:cs typeface="Arial" pitchFamily="34" charset="0"/>
               </a:rPr>
               <a:t> </a:t>
             </a:r>
             <a:r>
               <a:rPr lang="en-US" sz="3400" dirty="0" smtClean="0">
-                <a:latin typeface="Ara Hamah Alislam" panose="00000500000000000000" pitchFamily="2" charset="-78"/>
-                <a:cs typeface="Ara Hamah Alislam" panose="00000500000000000000" pitchFamily="2" charset="-78"/>
+                <a:latin typeface="Arial" pitchFamily="34" charset="0"/>
+                <a:cs typeface="Arial" pitchFamily="34" charset="0"/>
               </a:rPr>
               <a:t>FTSCRACHTXT</a:t>
             </a:r>
             <a:r>
               <a:rPr lang="he-IL" sz="3400" dirty="0" smtClean="0">
-                <a:latin typeface="Ara Hamah Alislam" panose="00000500000000000000" pitchFamily="2" charset="-78"/>
+                <a:latin typeface="Arial" pitchFamily="34" charset="0"/>
+                <a:cs typeface="Arial" pitchFamily="34" charset="0"/>
               </a:rPr>
               <a:t> </a:t>
             </a:r>
@@ -7446,8 +7458,8 @@
             </a:r>
             <a:r>
               <a:rPr lang="en-US" sz="3400" dirty="0" smtClean="0">
-                <a:latin typeface="Ara Hamah Alislam" panose="00000500000000000000" pitchFamily="2" charset="-78"/>
-                <a:cs typeface="Ara Hamah Alislam" panose="00000500000000000000" pitchFamily="2" charset="-78"/>
+                <a:latin typeface="Arial" pitchFamily="34" charset="0"/>
+                <a:cs typeface="Arial" pitchFamily="34" charset="0"/>
               </a:rPr>
               <a:t>ScratchX</a:t>
             </a:r>
@@ -7531,7 +7543,7 @@
         </p:blipFill>
         <p:spPr bwMode="auto">
           <a:xfrm>
-            <a:off x="3376973" y="4495279"/>
+            <a:off x="3016754" y="4596879"/>
             <a:ext cx="1791878" cy="1866333"/>
           </a:xfrm>
           <a:prstGeom prst="rect">
@@ -7563,7 +7575,7 @@
         </p:blipFill>
         <p:spPr bwMode="auto">
           <a:xfrm>
-            <a:off x="618186" y="4317050"/>
+            <a:off x="406400" y="4418650"/>
             <a:ext cx="2290489" cy="2222790"/>
           </a:xfrm>
           <a:prstGeom prst="rect">
@@ -7581,7 +7593,7 @@
     </p:spTree>
     <p:extLst>
       <p:ext uri="{BB962C8B-B14F-4D97-AF65-F5344CB8AC3E}">
-        <p14:creationId xmlns:p14="http://schemas.microsoft.com/office/powerpoint/2010/main" val="2689518871"/>
+        <p14:creationId xmlns:p14="http://schemas.microsoft.com/office/powerpoint/2010/main" xmlns="" val="2689518871"/>
       </p:ext>
     </p:extLst>
   </p:cSld>
@@ -7687,31 +7699,31 @@
           <a:lstStyle/>
           <a:p>
             <a:r>
-              <a:rPr lang="he-IL" sz="3200" dirty="0" smtClean="0"/>
+              <a:rPr lang="he-IL" sz="2400" dirty="0" smtClean="0"/>
               <a:t> </a:t>
             </a:r>
             <a:r>
-              <a:rPr lang="ar-EG" sz="4200" dirty="0" smtClean="0">
+              <a:rPr lang="ar-EG" sz="3600" dirty="0" smtClean="0">
                 <a:latin typeface="Ara Hamah Alislam" panose="00000500000000000000" pitchFamily="2" charset="-78"/>
                 <a:cs typeface="Ara Hamah Alislam" panose="00000500000000000000" pitchFamily="2" charset="-78"/>
               </a:rPr>
               <a:t>أمر شغل المحرك بسرعة </a:t>
             </a:r>
             <a:r>
-              <a:rPr lang="he-IL" sz="4200" dirty="0" smtClean="0">
+              <a:rPr lang="he-IL" sz="3600" dirty="0" smtClean="0">
                 <a:latin typeface="Ara Hamah Alislam" panose="00000500000000000000" pitchFamily="2" charset="-78"/>
               </a:rPr>
               <a:t> </a:t>
             </a:r>
             <a:r>
-              <a:rPr lang="ar-EG" sz="4200" dirty="0" smtClean="0">
+              <a:rPr lang="ar-EG" sz="3600" dirty="0" smtClean="0">
                 <a:latin typeface="Ara Hamah Alislam" panose="00000500000000000000" pitchFamily="2" charset="-78"/>
                 <a:cs typeface="Ara Hamah Alislam" panose="00000500000000000000" pitchFamily="2" charset="-78"/>
               </a:rPr>
               <a:t>معينة واتجاه معين </a:t>
             </a:r>
             <a:r>
-              <a:rPr lang="he-IL" sz="4200" dirty="0" smtClean="0">
+              <a:rPr lang="he-IL" sz="3600" dirty="0" smtClean="0">
                 <a:latin typeface="Ara Hamah Alislam" panose="00000500000000000000" pitchFamily="2" charset="-78"/>
               </a:rPr>
               <a:t> </a:t>
@@ -7719,91 +7731,77 @@
           </a:p>
           <a:p>
             <a:pPr lvl="1"/>
-            <a:endParaRPr lang="ar-EG" sz="4200" dirty="0" smtClean="0">
+            <a:endParaRPr lang="ar-EG" sz="3600" dirty="0" smtClean="0">
               <a:latin typeface="Ara Hamah Alislam" panose="00000500000000000000" pitchFamily="2" charset="-78"/>
             </a:endParaRPr>
           </a:p>
           <a:p>
             <a:pPr lvl="1"/>
             <a:r>
-              <a:rPr lang="he-IL" sz="4200" dirty="0" smtClean="0">
+              <a:rPr lang="he-IL" sz="3600" dirty="0" smtClean="0">
                 <a:latin typeface="Ara Hamah Alislam" panose="00000500000000000000" pitchFamily="2" charset="-78"/>
               </a:rPr>
               <a:t> </a:t>
             </a:r>
             <a:r>
-              <a:rPr lang="ar-EG" sz="4200" dirty="0" smtClean="0">
-                <a:latin typeface="Ara Hamah Alislam" panose="00000500000000000000" pitchFamily="2" charset="-78"/>
-                <a:cs typeface="Ara Hamah Alislam" panose="00000500000000000000" pitchFamily="2" charset="-78"/>
-              </a:rPr>
-              <a:t>ما هو </a:t>
-            </a:r>
-            <a:r>
-              <a:rPr lang="ar-EG" sz="4200" smtClean="0">
-                <a:latin typeface="Ara Hamah Alislam" panose="00000500000000000000" pitchFamily="2" charset="-78"/>
-                <a:cs typeface="Ara Hamah Alislam" panose="00000500000000000000" pitchFamily="2" charset="-78"/>
-              </a:rPr>
-              <a:t>العامل المتغير </a:t>
-            </a:r>
-            <a:r>
-              <a:rPr lang="ar-EG" sz="4200" dirty="0" smtClean="0">
-                <a:latin typeface="Ara Hamah Alislam" panose="00000500000000000000" pitchFamily="2" charset="-78"/>
-                <a:cs typeface="Ara Hamah Alislam" panose="00000500000000000000" pitchFamily="2" charset="-78"/>
-              </a:rPr>
-              <a:t>؟ </a:t>
-            </a:r>
-            <a:r>
-              <a:rPr lang="he-IL" sz="4200" dirty="0" smtClean="0">
+              <a:rPr lang="ar-EG" sz="3600" dirty="0" smtClean="0">
+                <a:latin typeface="Ara Hamah Alislam" panose="00000500000000000000" pitchFamily="2" charset="-78"/>
+                <a:cs typeface="Ara Hamah Alislam" panose="00000500000000000000" pitchFamily="2" charset="-78"/>
+              </a:rPr>
+              <a:t>ما هو العامل المتغير ؟ </a:t>
+            </a:r>
+            <a:r>
+              <a:rPr lang="he-IL" sz="3600" dirty="0" smtClean="0">
                 <a:latin typeface="Ara Hamah Alislam" panose="00000500000000000000" pitchFamily="2" charset="-78"/>
               </a:rPr>
               <a:t>– </a:t>
             </a:r>
             <a:r>
-              <a:rPr lang="ar-EG" sz="4200" dirty="0" smtClean="0">
+              <a:rPr lang="ar-EG" sz="3600" dirty="0" smtClean="0">
                 <a:latin typeface="Ara Hamah Alislam" panose="00000500000000000000" pitchFamily="2" charset="-78"/>
                 <a:cs typeface="Ara Hamah Alislam" panose="00000500000000000000" pitchFamily="2" charset="-78"/>
               </a:rPr>
               <a:t>تحديد قيمة في داخل الأمر </a:t>
             </a:r>
-            <a:endParaRPr lang="he-IL" sz="4200" dirty="0" smtClean="0">
+            <a:endParaRPr lang="he-IL" sz="3600" dirty="0" smtClean="0">
               <a:latin typeface="Ara Hamah Alislam" panose="00000500000000000000" pitchFamily="2" charset="-78"/>
             </a:endParaRPr>
           </a:p>
           <a:p>
             <a:pPr lvl="1"/>
             <a:r>
-              <a:rPr lang="he-IL" sz="4200" dirty="0" smtClean="0">
+              <a:rPr lang="he-IL" sz="3600" dirty="0" smtClean="0">
                 <a:latin typeface="Ara Hamah Alislam" panose="00000500000000000000" pitchFamily="2" charset="-78"/>
               </a:rPr>
               <a:t> </a:t>
             </a:r>
             <a:r>
-              <a:rPr lang="ar-EG" sz="4200" dirty="0" smtClean="0">
+              <a:rPr lang="ar-EG" sz="3600" dirty="0" smtClean="0">
                 <a:latin typeface="Ara Hamah Alislam" panose="00000500000000000000" pitchFamily="2" charset="-78"/>
                 <a:cs typeface="Ara Hamah Alislam" panose="00000500000000000000" pitchFamily="2" charset="-78"/>
               </a:rPr>
               <a:t>اختيار المحرك الذي نريد تشغيله</a:t>
             </a:r>
-            <a:endParaRPr lang="he-IL" sz="4200" dirty="0" smtClean="0">
+            <a:endParaRPr lang="he-IL" sz="3600" dirty="0" smtClean="0">
               <a:latin typeface="Ara Hamah Alislam" panose="00000500000000000000" pitchFamily="2" charset="-78"/>
             </a:endParaRPr>
           </a:p>
           <a:p>
             <a:pPr lvl="1"/>
             <a:r>
-              <a:rPr lang="ar-EG" sz="4200" dirty="0" smtClean="0">
+              <a:rPr lang="ar-EG" sz="3600" dirty="0" smtClean="0">
                 <a:latin typeface="Ara Hamah Alislam" panose="00000500000000000000" pitchFamily="2" charset="-78"/>
                 <a:cs typeface="Ara Hamah Alislam" panose="00000500000000000000" pitchFamily="2" charset="-78"/>
               </a:rPr>
               <a:t>اختيار السرعة : بين </a:t>
             </a:r>
             <a:r>
-              <a:rPr lang="ar-EG" sz="4200" dirty="0" smtClean="0">
+              <a:rPr lang="ar-EG" sz="3600" dirty="0" smtClean="0">
                 <a:latin typeface="Ara Hamah Alislam" panose="00000500000000000000" pitchFamily="2" charset="-78"/>
               </a:rPr>
               <a:t>8-0</a:t>
             </a:r>
-            <a:endParaRPr lang="ar-EG" sz="4200" dirty="0" smtClean="0">
+            <a:endParaRPr lang="ar-EG" sz="3600" dirty="0" smtClean="0">
               <a:latin typeface="Ara Hamah Alislam" panose="00000500000000000000" pitchFamily="2" charset="-78"/>
               <a:cs typeface="Ara Hamah Alislam" panose="00000500000000000000" pitchFamily="2" charset="-78"/>
             </a:endParaRPr>
@@ -7811,26 +7809,26 @@
           <a:p>
             <a:pPr lvl="1"/>
             <a:r>
-              <a:rPr lang="he-IL" sz="4200" dirty="0" smtClean="0">
+              <a:rPr lang="he-IL" sz="3600" dirty="0" smtClean="0">
                 <a:latin typeface="Ara Hamah Alislam" panose="00000500000000000000" pitchFamily="2" charset="-78"/>
               </a:rPr>
               <a:t> </a:t>
             </a:r>
             <a:r>
-              <a:rPr lang="ar-EG" sz="4200" dirty="0" smtClean="0">
+              <a:rPr lang="ar-EG" sz="3600" dirty="0" smtClean="0">
                 <a:latin typeface="Ara Hamah Alislam" panose="00000500000000000000" pitchFamily="2" charset="-78"/>
                 <a:cs typeface="Ara Hamah Alislam" panose="00000500000000000000" pitchFamily="2" charset="-78"/>
               </a:rPr>
               <a:t>السرعة </a:t>
             </a:r>
             <a:r>
-              <a:rPr lang="ar-EG" sz="4200" dirty="0" smtClean="0">
+              <a:rPr lang="ar-EG" sz="3600" dirty="0" smtClean="0">
                 <a:latin typeface="Ara Hamah Alislam" panose="00000500000000000000" pitchFamily="2" charset="-78"/>
               </a:rPr>
               <a:t>0 </a:t>
             </a:r>
             <a:r>
-              <a:rPr lang="ar-EG" sz="4200" dirty="0" smtClean="0">
+              <a:rPr lang="ar-EG" sz="3600" dirty="0" smtClean="0">
                 <a:latin typeface="Ara Hamah Alislam" panose="00000500000000000000" pitchFamily="2" charset="-78"/>
                 <a:cs typeface="Ara Hamah Alislam" panose="00000500000000000000" pitchFamily="2" charset="-78"/>
               </a:rPr>
@@ -7840,34 +7838,34 @@
           <a:p>
             <a:pPr lvl="1"/>
             <a:r>
-              <a:rPr lang="ar-EG" sz="4200" dirty="0">
+              <a:rPr lang="ar-EG" sz="3600" dirty="0">
                 <a:latin typeface="Ara Hamah Alislam" panose="00000500000000000000" pitchFamily="2" charset="-78"/>
                 <a:cs typeface="Ara Hamah Alislam" panose="00000500000000000000" pitchFamily="2" charset="-78"/>
               </a:rPr>
               <a:t> </a:t>
             </a:r>
             <a:r>
-              <a:rPr lang="ar-EG" sz="4200" dirty="0" smtClean="0">
+              <a:rPr lang="ar-EG" sz="3600" dirty="0" smtClean="0">
                 <a:latin typeface="Ara Hamah Alislam" panose="00000500000000000000" pitchFamily="2" charset="-78"/>
                 <a:cs typeface="Ara Hamah Alislam" panose="00000500000000000000" pitchFamily="2" charset="-78"/>
               </a:rPr>
               <a:t>اختيار اتجاه : الى الامام </a:t>
             </a:r>
             <a:r>
-              <a:rPr lang="en-US" sz="4200" dirty="0" smtClean="0">
+              <a:rPr lang="en-US" sz="3600" dirty="0" smtClean="0">
                 <a:latin typeface="Ara Hamah Alislam" panose="00000500000000000000" pitchFamily="2" charset="-78"/>
                 <a:cs typeface="Ara Hamah Alislam" panose="00000500000000000000" pitchFamily="2" charset="-78"/>
               </a:rPr>
               <a:t>/</a:t>
             </a:r>
             <a:r>
-              <a:rPr lang="ar-EG" sz="4200" dirty="0" smtClean="0">
+              <a:rPr lang="ar-EG" sz="3600" dirty="0" smtClean="0">
                 <a:latin typeface="Ara Hamah Alislam" panose="00000500000000000000" pitchFamily="2" charset="-78"/>
                 <a:cs typeface="Ara Hamah Alislam" panose="00000500000000000000" pitchFamily="2" charset="-78"/>
               </a:rPr>
               <a:t> الى الخلف </a:t>
             </a:r>
-            <a:endParaRPr lang="he-IL" sz="4200" dirty="0" smtClean="0">
+            <a:endParaRPr lang="he-IL" sz="3600" dirty="0" smtClean="0">
               <a:latin typeface="Ara Hamah Alislam" panose="00000500000000000000" pitchFamily="2" charset="-78"/>
             </a:endParaRPr>
           </a:p>
@@ -7885,7 +7883,7 @@
           <a:blip r:embed="rId2">
             <a:extLst>
               <a:ext uri="{BEBA8EAE-BF5A-486C-A8C5-ECC9F3942E4B}">
-                <a14:imgProps xmlns:a14="http://schemas.microsoft.com/office/drawing/2010/main">
+                <a14:imgProps xmlns:a14="http://schemas.microsoft.com/office/drawing/2010/main" xmlns="">
                   <a14:imgLayer r:embed="rId3">
                     <a14:imgEffect>
                       <a14:sharpenSoften amount="60000"/>
@@ -7894,7 +7892,7 @@
                 </a14:imgProps>
               </a:ext>
               <a:ext uri="{28A0092B-C50C-407E-A947-70E740481C1C}">
-                <a14:useLocalDpi xmlns:a14="http://schemas.microsoft.com/office/drawing/2010/main" val="0"/>
+                <a14:useLocalDpi xmlns:a14="http://schemas.microsoft.com/office/drawing/2010/main" xmlns="" val="0"/>
               </a:ext>
             </a:extLst>
           </a:blip>
@@ -7903,7 +7901,7 @@
         </p:blipFill>
         <p:spPr>
           <a:xfrm>
-            <a:off x="3443288" y="2266876"/>
+            <a:off x="3443288" y="2054448"/>
             <a:ext cx="4872712" cy="613123"/>
           </a:xfrm>
           <a:prstGeom prst="rect">
@@ -7914,7 +7912,7 @@
     </p:spTree>
     <p:extLst>
       <p:ext uri="{BB962C8B-B14F-4D97-AF65-F5344CB8AC3E}">
-        <p14:creationId xmlns:p14="http://schemas.microsoft.com/office/powerpoint/2010/main" val="999608912"/>
+        <p14:creationId xmlns:p14="http://schemas.microsoft.com/office/powerpoint/2010/main" xmlns="" val="999608912"/>
       </p:ext>
     </p:extLst>
   </p:cSld>
@@ -7996,8 +7994,8 @@
         </p:nvSpPr>
         <p:spPr>
           <a:xfrm>
-            <a:off x="-272456" y="1010937"/>
-            <a:ext cx="10123714" cy="5847063"/>
+            <a:off x="0" y="1010937"/>
+            <a:ext cx="9679709" cy="5847063"/>
           </a:xfrm>
         </p:spPr>
         <p:txBody>
@@ -8162,7 +8160,7 @@
     </p:spTree>
     <p:extLst>
       <p:ext uri="{BB962C8B-B14F-4D97-AF65-F5344CB8AC3E}">
-        <p14:creationId xmlns:p14="http://schemas.microsoft.com/office/powerpoint/2010/main" val="999608912"/>
+        <p14:creationId xmlns:p14="http://schemas.microsoft.com/office/powerpoint/2010/main" xmlns="" val="999608912"/>
       </p:ext>
     </p:extLst>
   </p:cSld>
@@ -8259,159 +8257,159 @@
               <a:t> </a:t>
             </a:r>
             <a:r>
-              <a:rPr lang="ar-EG" sz="3600" dirty="0" smtClean="0">
+              <a:rPr lang="ar-EG" sz="3200" dirty="0" smtClean="0">
                 <a:latin typeface="Ara Hamah Alislam" panose="00000500000000000000" pitchFamily="2" charset="-78"/>
                 <a:cs typeface="Ara Hamah Alislam" panose="00000500000000000000" pitchFamily="2" charset="-78"/>
               </a:rPr>
               <a:t>بناء سيناريو لتشغيل محركين للتحرك الى الامام وايقافهم بعد ثانيتين </a:t>
             </a:r>
-            <a:endParaRPr lang="he-IL" sz="3600" dirty="0" smtClean="0">
+            <a:endParaRPr lang="he-IL" sz="3200" dirty="0" smtClean="0">
               <a:latin typeface="Ara Hamah Alislam" panose="00000500000000000000" pitchFamily="2" charset="-78"/>
             </a:endParaRPr>
           </a:p>
           <a:p>
             <a:r>
-              <a:rPr lang="he-IL" sz="3600" dirty="0" smtClean="0">
+              <a:rPr lang="he-IL" sz="3200" dirty="0" smtClean="0">
                 <a:latin typeface="Ara Hamah Alislam" panose="00000500000000000000" pitchFamily="2" charset="-78"/>
               </a:rPr>
               <a:t> </a:t>
             </a:r>
             <a:r>
-              <a:rPr lang="ar-EG" sz="3600" dirty="0" smtClean="0">
+              <a:rPr lang="ar-EG" sz="3200" dirty="0" smtClean="0">
                 <a:latin typeface="Ara Hamah Alislam" panose="00000500000000000000" pitchFamily="2" charset="-78"/>
                 <a:cs typeface="Ara Hamah Alislam" panose="00000500000000000000" pitchFamily="2" charset="-78"/>
               </a:rPr>
               <a:t>تشغيل السيناريو : أمر "القبعة" العلم الأخضر (أحداث) </a:t>
             </a:r>
-            <a:endParaRPr lang="he-IL" sz="3600" dirty="0" smtClean="0">
+            <a:endParaRPr lang="he-IL" sz="3200" dirty="0" smtClean="0">
               <a:latin typeface="Ara Hamah Alislam" panose="00000500000000000000" pitchFamily="2" charset="-78"/>
             </a:endParaRPr>
           </a:p>
           <a:p>
             <a:r>
-              <a:rPr lang="ar-EG" sz="3600" dirty="0">
+              <a:rPr lang="ar-EG" sz="3200" dirty="0">
                 <a:latin typeface="Ara Hamah Alislam" panose="00000500000000000000" pitchFamily="2" charset="-78"/>
                 <a:cs typeface="Ara Hamah Alislam" panose="00000500000000000000" pitchFamily="2" charset="-78"/>
               </a:rPr>
               <a:t> </a:t>
             </a:r>
             <a:r>
-              <a:rPr lang="ar-EG" sz="3600" dirty="0" smtClean="0">
+              <a:rPr lang="ar-EG" sz="3200" dirty="0" smtClean="0">
                 <a:latin typeface="Ara Hamah Alislam" panose="00000500000000000000" pitchFamily="2" charset="-78"/>
                 <a:cs typeface="Ara Hamah Alislam" panose="00000500000000000000" pitchFamily="2" charset="-78"/>
               </a:rPr>
               <a:t>أمر انتظر </a:t>
             </a:r>
             <a:r>
-              <a:rPr lang="en-US" sz="3600" dirty="0" smtClean="0">
+              <a:rPr lang="en-US" sz="3200" dirty="0" smtClean="0">
                 <a:latin typeface="Ara Hamah Alislam" panose="00000500000000000000" pitchFamily="2" charset="-78"/>
                 <a:cs typeface="Ara Hamah Alislam" panose="00000500000000000000" pitchFamily="2" charset="-78"/>
               </a:rPr>
               <a:t>X</a:t>
             </a:r>
             <a:r>
-              <a:rPr lang="he-IL" sz="3600" dirty="0" smtClean="0">
+              <a:rPr lang="he-IL" sz="3200" dirty="0" smtClean="0">
                 <a:latin typeface="Ara Hamah Alislam" panose="00000500000000000000" pitchFamily="2" charset="-78"/>
               </a:rPr>
               <a:t> </a:t>
             </a:r>
             <a:r>
-              <a:rPr lang="ar-EG" sz="3600" dirty="0" smtClean="0">
+              <a:rPr lang="ar-EG" sz="3200" dirty="0" smtClean="0">
                 <a:latin typeface="Ara Hamah Alislam" panose="00000500000000000000" pitchFamily="2" charset="-78"/>
                 <a:cs typeface="Ara Hamah Alislam" panose="00000500000000000000" pitchFamily="2" charset="-78"/>
               </a:rPr>
               <a:t>ثواني (تحكم)</a:t>
             </a:r>
-            <a:endParaRPr lang="he-IL" sz="3600" dirty="0" smtClean="0">
+            <a:endParaRPr lang="he-IL" sz="3200" dirty="0" smtClean="0">
               <a:latin typeface="Ara Hamah Alislam" panose="00000500000000000000" pitchFamily="2" charset="-78"/>
             </a:endParaRPr>
           </a:p>
           <a:p>
             <a:pPr lvl="1"/>
             <a:r>
-              <a:rPr lang="he-IL" sz="3600" dirty="0" smtClean="0">
+              <a:rPr lang="he-IL" sz="3200" dirty="0" smtClean="0">
                 <a:latin typeface="Ara Hamah Alislam" panose="00000500000000000000" pitchFamily="2" charset="-78"/>
               </a:rPr>
               <a:t> </a:t>
             </a:r>
             <a:r>
-              <a:rPr lang="ar-EG" sz="3600" dirty="0" smtClean="0">
+              <a:rPr lang="ar-EG" sz="3200" dirty="0" smtClean="0">
                 <a:latin typeface="Ara Hamah Alislam" panose="00000500000000000000" pitchFamily="2" charset="-78"/>
                 <a:cs typeface="Ara Hamah Alislam" panose="00000500000000000000" pitchFamily="2" charset="-78"/>
               </a:rPr>
               <a:t>اذا قمنا بتشغيل محرك فعلينا ايضا إيقافه في مرحلة ما </a:t>
             </a:r>
-            <a:endParaRPr lang="he-IL" sz="3600" dirty="0" smtClean="0">
+            <a:endParaRPr lang="he-IL" sz="3200" dirty="0" smtClean="0">
               <a:latin typeface="Ara Hamah Alislam" panose="00000500000000000000" pitchFamily="2" charset="-78"/>
             </a:endParaRPr>
           </a:p>
           <a:p>
             <a:pPr lvl="1"/>
             <a:r>
-              <a:rPr lang="he-IL" sz="3600" dirty="0" smtClean="0">
+              <a:rPr lang="he-IL" sz="3200" dirty="0" smtClean="0">
                 <a:latin typeface="Ara Hamah Alislam" panose="00000500000000000000" pitchFamily="2" charset="-78"/>
               </a:rPr>
               <a:t> </a:t>
             </a:r>
             <a:r>
-              <a:rPr lang="ar-EG" sz="3600" dirty="0" smtClean="0">
+              <a:rPr lang="ar-EG" sz="3200" dirty="0" smtClean="0">
                 <a:latin typeface="Ara Hamah Alislam" panose="00000500000000000000" pitchFamily="2" charset="-78"/>
                 <a:cs typeface="Ara Hamah Alislam" panose="00000500000000000000" pitchFamily="2" charset="-78"/>
               </a:rPr>
               <a:t>مناقشة </a:t>
             </a:r>
-            <a:endParaRPr lang="he-IL" sz="3600" dirty="0" smtClean="0">
+            <a:endParaRPr lang="he-IL" sz="3200" dirty="0" smtClean="0">
               <a:latin typeface="Ara Hamah Alislam" panose="00000500000000000000" pitchFamily="2" charset="-78"/>
             </a:endParaRPr>
           </a:p>
           <a:p>
             <a:pPr lvl="2"/>
             <a:r>
-              <a:rPr lang="he-IL" sz="3600" dirty="0" smtClean="0">
+              <a:rPr lang="he-IL" sz="3200" dirty="0" smtClean="0">
                 <a:latin typeface="Ara Hamah Alislam" panose="00000500000000000000" pitchFamily="2" charset="-78"/>
               </a:rPr>
               <a:t> </a:t>
             </a:r>
             <a:r>
-              <a:rPr lang="ar-EG" sz="3600" dirty="0" smtClean="0">
+              <a:rPr lang="ar-EG" sz="3200" dirty="0" smtClean="0">
                 <a:latin typeface="Ara Hamah Alislam" panose="00000500000000000000" pitchFamily="2" charset="-78"/>
                 <a:cs typeface="Ara Hamah Alislam" panose="00000500000000000000" pitchFamily="2" charset="-78"/>
               </a:rPr>
               <a:t>ما هي الخوارزمية (الطريقة</a:t>
             </a:r>
             <a:r>
-              <a:rPr lang="he-IL" sz="3600" dirty="0" smtClean="0">
+              <a:rPr lang="he-IL" sz="3200" dirty="0" smtClean="0">
                 <a:latin typeface="Ara Hamah Alislam" panose="00000500000000000000" pitchFamily="2" charset="-78"/>
               </a:rPr>
               <a:t>) </a:t>
             </a:r>
             <a:r>
-              <a:rPr lang="ar-EG" sz="3600" dirty="0" smtClean="0">
+              <a:rPr lang="ar-EG" sz="3200" dirty="0" smtClean="0">
                 <a:latin typeface="Ara Hamah Alislam" panose="00000500000000000000" pitchFamily="2" charset="-78"/>
                 <a:cs typeface="Ara Hamah Alislam" panose="00000500000000000000" pitchFamily="2" charset="-78"/>
               </a:rPr>
               <a:t>لتنفيذ التوجيهات ؟</a:t>
             </a:r>
-            <a:endParaRPr lang="he-IL" sz="3600" dirty="0" smtClean="0">
+            <a:endParaRPr lang="he-IL" sz="3200" dirty="0" smtClean="0">
               <a:latin typeface="Ara Hamah Alislam" panose="00000500000000000000" pitchFamily="2" charset="-78"/>
             </a:endParaRPr>
           </a:p>
           <a:p>
             <a:pPr lvl="2"/>
             <a:r>
-              <a:rPr lang="he-IL" sz="3600" dirty="0" smtClean="0">
+              <a:rPr lang="he-IL" sz="3200" dirty="0" smtClean="0">
                 <a:latin typeface="Ara Hamah Alislam" panose="00000500000000000000" pitchFamily="2" charset="-78"/>
               </a:rPr>
               <a:t> </a:t>
             </a:r>
             <a:r>
-              <a:rPr lang="ar-EG" sz="3600" dirty="0" smtClean="0">
+              <a:rPr lang="ar-EG" sz="3200" dirty="0" smtClean="0">
                 <a:latin typeface="Ara Hamah Alislam" panose="00000500000000000000" pitchFamily="2" charset="-78"/>
                 <a:cs typeface="Ara Hamah Alislam" panose="00000500000000000000" pitchFamily="2" charset="-78"/>
               </a:rPr>
               <a:t>سرعة تنفيذ الأوامر – ماذا يحدث لو لم ننتظر ثانية ؟</a:t>
             </a:r>
-            <a:endParaRPr lang="ar-EG" sz="3600" dirty="0">
+            <a:endParaRPr lang="ar-EG" sz="3200" dirty="0">
               <a:latin typeface="Ara Hamah Alislam" panose="00000500000000000000" pitchFamily="2" charset="-78"/>
               <a:cs typeface="Ara Hamah Alislam" panose="00000500000000000000" pitchFamily="2" charset="-78"/>
             </a:endParaRPr>
@@ -8419,13 +8417,13 @@
           <a:p>
             <a:pPr lvl="2"/>
             <a:r>
-              <a:rPr lang="ar-EG" sz="3600" dirty="0" smtClean="0">
+              <a:rPr lang="ar-EG" sz="3200" dirty="0" smtClean="0">
                 <a:latin typeface="Ara Hamah Alislam" panose="00000500000000000000" pitchFamily="2" charset="-78"/>
                 <a:cs typeface="Ara Hamah Alislam" panose="00000500000000000000" pitchFamily="2" charset="-78"/>
               </a:rPr>
               <a:t> ماذا يحدث لو لم نوقف المحركات ؟</a:t>
             </a:r>
-            <a:endParaRPr lang="he-IL" sz="3600" dirty="0" smtClean="0">
+            <a:endParaRPr lang="he-IL" sz="3200" dirty="0" smtClean="0">
               <a:latin typeface="Ara Hamah Alislam" panose="00000500000000000000" pitchFamily="2" charset="-78"/>
             </a:endParaRPr>
           </a:p>
@@ -8434,7 +8432,7 @@
     </p:spTree>
     <p:extLst>
       <p:ext uri="{BB962C8B-B14F-4D97-AF65-F5344CB8AC3E}">
-        <p14:creationId xmlns:p14="http://schemas.microsoft.com/office/powerpoint/2010/main" val="999608912"/>
+        <p14:creationId xmlns:p14="http://schemas.microsoft.com/office/powerpoint/2010/main" xmlns="" val="999608912"/>
       </p:ext>
     </p:extLst>
   </p:cSld>
@@ -8516,7 +8514,7 @@
           <a:blip r:embed="rId2">
             <a:extLst>
               <a:ext uri="{28A0092B-C50C-407E-A947-70E740481C1C}">
-                <a14:useLocalDpi xmlns:a14="http://schemas.microsoft.com/office/drawing/2010/main" val="0"/>
+                <a14:useLocalDpi xmlns:a14="http://schemas.microsoft.com/office/drawing/2010/main" xmlns="" val="0"/>
               </a:ext>
             </a:extLst>
           </a:blip>
@@ -8682,7 +8680,7 @@
     </p:spTree>
     <p:extLst>
       <p:ext uri="{BB962C8B-B14F-4D97-AF65-F5344CB8AC3E}">
-        <p14:creationId xmlns:p14="http://schemas.microsoft.com/office/powerpoint/2010/main" val="999608912"/>
+        <p14:creationId xmlns:p14="http://schemas.microsoft.com/office/powerpoint/2010/main" xmlns="" val="999608912"/>
       </p:ext>
     </p:extLst>
   </p:cSld>
@@ -8826,7 +8824,7 @@
           <a:blip r:embed="rId2">
             <a:extLst>
               <a:ext uri="{28A0092B-C50C-407E-A947-70E740481C1C}">
-                <a14:useLocalDpi xmlns:a14="http://schemas.microsoft.com/office/drawing/2010/main" val="0"/>
+                <a14:useLocalDpi xmlns:a14="http://schemas.microsoft.com/office/drawing/2010/main" xmlns="" val="0"/>
               </a:ext>
             </a:extLst>
           </a:blip>
@@ -8847,7 +8845,7 @@
     </p:spTree>
     <p:extLst>
       <p:ext uri="{BB962C8B-B14F-4D97-AF65-F5344CB8AC3E}">
-        <p14:creationId xmlns:p14="http://schemas.microsoft.com/office/powerpoint/2010/main" val="999608912"/>
+        <p14:creationId xmlns:p14="http://schemas.microsoft.com/office/powerpoint/2010/main" xmlns="" val="999608912"/>
       </p:ext>
     </p:extLst>
   </p:cSld>
@@ -9115,7 +9113,7 @@
   <a:extraClrSchemeLst/>
   <a:extLst>
     <a:ext uri="{05A4C25C-085E-4340-85A3-A5531E510DB2}">
-      <thm15:themeFamily xmlns:thm15="http://schemas.microsoft.com/office/thememl/2012/main" name="Facet" id="{C0C680CD-088A-49FC-A102-D699147F32B2}" vid="{CFBC31BA-B70F-4F30-BCAA-4F3011E16C4D}"/>
+      <thm15:themeFamily xmlns:thm15="http://schemas.microsoft.com/office/thememl/2012/main" xmlns="" name="Facet" id="{C0C680CD-088A-49FC-A102-D699147F32B2}" vid="{CFBC31BA-B70F-4F30-BCAA-4F3011E16C4D}"/>
     </a:ext>
   </a:extLst>
 </a:theme>
@@ -9164,7 +9162,7 @@
     </a:clrScheme>
     <a:fontScheme name="Office">
       <a:majorFont>
-        <a:latin typeface="Calibri Light" panose="020F0302020204030204"/>
+        <a:latin typeface="Calibri Light"/>
         <a:ea typeface=""/>
         <a:cs typeface=""/>
         <a:font script="Jpan" typeface="游ゴシック Light"/>
@@ -9199,7 +9197,7 @@
         <a:font script="Geor" typeface="Sylfaen"/>
       </a:majorFont>
       <a:minorFont>
-        <a:latin typeface="Calibri" panose="020F0502020204030204"/>
+        <a:latin typeface="Calibri"/>
         <a:ea typeface=""/>
         <a:cs typeface=""/>
         <a:font script="Jpan" typeface="游ゴシック"/>
@@ -9376,7 +9374,7 @@
   <a:extraClrSchemeLst/>
   <a:extLst>
     <a:ext uri="{05A4C25C-085E-4340-85A3-A5531E510DB2}">
-      <thm15:themeFamily xmlns:thm15="http://schemas.microsoft.com/office/thememl/2012/main" name="Office Theme" id="{62F939B6-93AF-4DB8-9C6B-D6C7DFDC589F}" vid="{4A3C46E8-61CC-4603-A589-7422A47A8E4A}"/>
+      <thm15:themeFamily xmlns:thm15="http://schemas.microsoft.com/office/thememl/2012/main" xmlns="" name="Office Theme" id="{62F939B6-93AF-4DB8-9C6B-D6C7DFDC589F}" vid="{4A3C46E8-61CC-4603-A589-7422A47A8E4A}"/>
     </a:ext>
   </a:extLst>
 </a:theme>

--- a/src/ppt5_ar.pptx
+++ b/src/ppt5_ar.pptx
@@ -119,7 +119,7 @@
   </p:defaultTextStyle>
   <p:extLst>
     <p:ext uri="{EFAFB233-063F-42B5-8137-9DF3F51BA10A}">
-      <p15:sldGuideLst xmlns:p15="http://schemas.microsoft.com/office/powerpoint/2012/main" xmlns="">
+      <p15:sldGuideLst xmlns="" xmlns:p15="http://schemas.microsoft.com/office/powerpoint/2012/main">
         <p15:guide id="1" orient="horz" pos="2160">
           <p15:clr>
             <a:srgbClr val="A4A3A4"/>
@@ -219,7 +219,7 @@
             <a:fld id="{85DA7483-1C53-40FC-A2C4-1B84877EC98B}" type="datetimeFigureOut">
               <a:rPr lang="he-IL" smtClean="0"/>
               <a:pPr/>
-              <a:t>י"א/אדר/תשע"ח</a:t>
+              <a:t>כ"ג/אייר/תשע"ח</a:t>
             </a:fld>
             <a:endParaRPr lang="he-IL"/>
           </a:p>
@@ -388,7 +388,7 @@
     </p:spTree>
     <p:extLst>
       <p:ext uri="{BB962C8B-B14F-4D97-AF65-F5344CB8AC3E}">
-        <p14:creationId xmlns:p14="http://schemas.microsoft.com/office/powerpoint/2010/main" xmlns="" val="938154757"/>
+        <p14:creationId xmlns="" xmlns:p14="http://schemas.microsoft.com/office/powerpoint/2010/main" val="938154757"/>
       </p:ext>
     </p:extLst>
   </p:cSld>
@@ -563,7 +563,7 @@
     </p:spTree>
     <p:extLst>
       <p:ext uri="{BB962C8B-B14F-4D97-AF65-F5344CB8AC3E}">
-        <p14:creationId xmlns:p14="http://schemas.microsoft.com/office/powerpoint/2010/main" xmlns="" val="2873065283"/>
+        <p14:creationId xmlns="" xmlns:p14="http://schemas.microsoft.com/office/powerpoint/2010/main" val="2873065283"/>
       </p:ext>
     </p:extLst>
   </p:cSld>
@@ -1296,7 +1296,7 @@
             <a:fld id="{48A87A34-81AB-432B-8DAE-1953F412C126}" type="datetimeFigureOut">
               <a:rPr lang="en-US" smtClean="0"/>
               <a:pPr/>
-              <a:t>2/26/2018</a:t>
+              <a:t>5/8/2018</a:t>
             </a:fld>
             <a:endParaRPr lang="en-US" dirty="0"/>
           </a:p>
@@ -1348,7 +1348,7 @@
     </p:spTree>
     <p:extLst>
       <p:ext uri="{BB962C8B-B14F-4D97-AF65-F5344CB8AC3E}">
-        <p14:creationId xmlns:p14="http://schemas.microsoft.com/office/powerpoint/2010/main" xmlns="" val="2379700270"/>
+        <p14:creationId xmlns="" xmlns:p14="http://schemas.microsoft.com/office/powerpoint/2010/main" val="2379700270"/>
       </p:ext>
     </p:extLst>
   </p:cSld>
@@ -1549,7 +1549,7 @@
             <a:fld id="{48A87A34-81AB-432B-8DAE-1953F412C126}" type="datetimeFigureOut">
               <a:rPr lang="en-US" smtClean="0"/>
               <a:pPr/>
-              <a:t>2/26/2018</a:t>
+              <a:t>5/8/2018</a:t>
             </a:fld>
             <a:endParaRPr lang="en-US" dirty="0"/>
           </a:p>
@@ -1601,7 +1601,7 @@
     </p:spTree>
     <p:extLst>
       <p:ext uri="{BB962C8B-B14F-4D97-AF65-F5344CB8AC3E}">
-        <p14:creationId xmlns:p14="http://schemas.microsoft.com/office/powerpoint/2010/main" xmlns="" val="1804991245"/>
+        <p14:creationId xmlns="" xmlns:p14="http://schemas.microsoft.com/office/powerpoint/2010/main" val="1804991245"/>
       </p:ext>
     </p:extLst>
   </p:cSld>
@@ -1865,7 +1865,7 @@
             <a:fld id="{48A87A34-81AB-432B-8DAE-1953F412C126}" type="datetimeFigureOut">
               <a:rPr lang="en-US" smtClean="0"/>
               <a:pPr/>
-              <a:t>2/26/2018</a:t>
+              <a:t>5/8/2018</a:t>
             </a:fld>
             <a:endParaRPr lang="en-US" dirty="0"/>
           </a:p>
@@ -2007,7 +2007,7 @@
     </p:spTree>
     <p:extLst>
       <p:ext uri="{BB962C8B-B14F-4D97-AF65-F5344CB8AC3E}">
-        <p14:creationId xmlns:p14="http://schemas.microsoft.com/office/powerpoint/2010/main" xmlns="" val="1473712570"/>
+        <p14:creationId xmlns="" xmlns:p14="http://schemas.microsoft.com/office/powerpoint/2010/main" val="1473712570"/>
       </p:ext>
     </p:extLst>
   </p:cSld>
@@ -2208,7 +2208,7 @@
             <a:fld id="{48A87A34-81AB-432B-8DAE-1953F412C126}" type="datetimeFigureOut">
               <a:rPr lang="en-US" smtClean="0"/>
               <a:pPr/>
-              <a:t>2/26/2018</a:t>
+              <a:t>5/8/2018</a:t>
             </a:fld>
             <a:endParaRPr lang="en-US" dirty="0"/>
           </a:p>
@@ -2260,7 +2260,7 @@
     </p:spTree>
     <p:extLst>
       <p:ext uri="{BB962C8B-B14F-4D97-AF65-F5344CB8AC3E}">
-        <p14:creationId xmlns:p14="http://schemas.microsoft.com/office/powerpoint/2010/main" xmlns="" val="2530574234"/>
+        <p14:creationId xmlns="" xmlns:p14="http://schemas.microsoft.com/office/powerpoint/2010/main" val="2530574234"/>
       </p:ext>
     </p:extLst>
   </p:cSld>
@@ -2524,7 +2524,7 @@
             <a:fld id="{48A87A34-81AB-432B-8DAE-1953F412C126}" type="datetimeFigureOut">
               <a:rPr lang="en-US" smtClean="0"/>
               <a:pPr/>
-              <a:t>2/26/2018</a:t>
+              <a:t>5/8/2018</a:t>
             </a:fld>
             <a:endParaRPr lang="en-US" dirty="0"/>
           </a:p>
@@ -2658,7 +2658,7 @@
     </p:spTree>
     <p:extLst>
       <p:ext uri="{BB962C8B-B14F-4D97-AF65-F5344CB8AC3E}">
-        <p14:creationId xmlns:p14="http://schemas.microsoft.com/office/powerpoint/2010/main" xmlns="" val="1004790222"/>
+        <p14:creationId xmlns="" xmlns:p14="http://schemas.microsoft.com/office/powerpoint/2010/main" val="1004790222"/>
       </p:ext>
     </p:extLst>
   </p:cSld>
@@ -2919,7 +2919,7 @@
             <a:fld id="{48A87A34-81AB-432B-8DAE-1953F412C126}" type="datetimeFigureOut">
               <a:rPr lang="en-US" smtClean="0"/>
               <a:pPr/>
-              <a:t>2/26/2018</a:t>
+              <a:t>5/8/2018</a:t>
             </a:fld>
             <a:endParaRPr lang="en-US" dirty="0"/>
           </a:p>
@@ -2971,7 +2971,7 @@
     </p:spTree>
     <p:extLst>
       <p:ext uri="{BB962C8B-B14F-4D97-AF65-F5344CB8AC3E}">
-        <p14:creationId xmlns:p14="http://schemas.microsoft.com/office/powerpoint/2010/main" xmlns="" val="3328784466"/>
+        <p14:creationId xmlns="" xmlns:p14="http://schemas.microsoft.com/office/powerpoint/2010/main" val="3328784466"/>
       </p:ext>
     </p:extLst>
   </p:cSld>
@@ -3091,7 +3091,7 @@
             <a:fld id="{48A87A34-81AB-432B-8DAE-1953F412C126}" type="datetimeFigureOut">
               <a:rPr lang="en-US" smtClean="0"/>
               <a:pPr/>
-              <a:t>2/26/2018</a:t>
+              <a:t>5/8/2018</a:t>
             </a:fld>
             <a:endParaRPr lang="en-US" dirty="0"/>
           </a:p>
@@ -3143,7 +3143,7 @@
     </p:spTree>
     <p:extLst>
       <p:ext uri="{BB962C8B-B14F-4D97-AF65-F5344CB8AC3E}">
-        <p14:creationId xmlns:p14="http://schemas.microsoft.com/office/powerpoint/2010/main" xmlns="" val="1447070425"/>
+        <p14:creationId xmlns="" xmlns:p14="http://schemas.microsoft.com/office/powerpoint/2010/main" val="1447070425"/>
       </p:ext>
     </p:extLst>
   </p:cSld>
@@ -3273,7 +3273,7 @@
             <a:fld id="{48A87A34-81AB-432B-8DAE-1953F412C126}" type="datetimeFigureOut">
               <a:rPr lang="en-US" smtClean="0"/>
               <a:pPr/>
-              <a:t>2/26/2018</a:t>
+              <a:t>5/8/2018</a:t>
             </a:fld>
             <a:endParaRPr lang="en-US" dirty="0"/>
           </a:p>
@@ -3325,7 +3325,7 @@
     </p:spTree>
     <p:extLst>
       <p:ext uri="{BB962C8B-B14F-4D97-AF65-F5344CB8AC3E}">
-        <p14:creationId xmlns:p14="http://schemas.microsoft.com/office/powerpoint/2010/main" xmlns="" val="3648480235"/>
+        <p14:creationId xmlns="" xmlns:p14="http://schemas.microsoft.com/office/powerpoint/2010/main" val="3648480235"/>
       </p:ext>
     </p:extLst>
   </p:cSld>
@@ -3451,7 +3451,7 @@
             <a:fld id="{48A87A34-81AB-432B-8DAE-1953F412C126}" type="datetimeFigureOut">
               <a:rPr lang="en-US" smtClean="0"/>
               <a:pPr/>
-              <a:t>2/26/2018</a:t>
+              <a:t>5/8/2018</a:t>
             </a:fld>
             <a:endParaRPr lang="en-US" dirty="0"/>
           </a:p>
@@ -3503,7 +3503,7 @@
     </p:spTree>
     <p:extLst>
       <p:ext uri="{BB962C8B-B14F-4D97-AF65-F5344CB8AC3E}">
-        <p14:creationId xmlns:p14="http://schemas.microsoft.com/office/powerpoint/2010/main" xmlns="" val="2649633687"/>
+        <p14:creationId xmlns="" xmlns:p14="http://schemas.microsoft.com/office/powerpoint/2010/main" val="2649633687"/>
       </p:ext>
     </p:extLst>
   </p:cSld>
@@ -3700,7 +3700,7 @@
             <a:fld id="{48A87A34-81AB-432B-8DAE-1953F412C126}" type="datetimeFigureOut">
               <a:rPr lang="en-US" smtClean="0"/>
               <a:pPr/>
-              <a:t>2/26/2018</a:t>
+              <a:t>5/8/2018</a:t>
             </a:fld>
             <a:endParaRPr lang="en-US" dirty="0"/>
           </a:p>
@@ -3752,7 +3752,7 @@
     </p:spTree>
     <p:extLst>
       <p:ext uri="{BB962C8B-B14F-4D97-AF65-F5344CB8AC3E}">
-        <p14:creationId xmlns:p14="http://schemas.microsoft.com/office/powerpoint/2010/main" xmlns="" val="572893903"/>
+        <p14:creationId xmlns="" xmlns:p14="http://schemas.microsoft.com/office/powerpoint/2010/main" val="572893903"/>
       </p:ext>
     </p:extLst>
   </p:cSld>
@@ -3934,7 +3934,7 @@
             <a:fld id="{48A87A34-81AB-432B-8DAE-1953F412C126}" type="datetimeFigureOut">
               <a:rPr lang="en-US" smtClean="0"/>
               <a:pPr/>
-              <a:t>2/26/2018</a:t>
+              <a:t>5/8/2018</a:t>
             </a:fld>
             <a:endParaRPr lang="en-US" dirty="0"/>
           </a:p>
@@ -3986,7 +3986,7 @@
     </p:spTree>
     <p:extLst>
       <p:ext uri="{BB962C8B-B14F-4D97-AF65-F5344CB8AC3E}">
-        <p14:creationId xmlns:p14="http://schemas.microsoft.com/office/powerpoint/2010/main" xmlns="" val="3918475607"/>
+        <p14:creationId xmlns="" xmlns:p14="http://schemas.microsoft.com/office/powerpoint/2010/main" val="3918475607"/>
       </p:ext>
     </p:extLst>
   </p:cSld>
@@ -4310,7 +4310,7 @@
             <a:fld id="{48A87A34-81AB-432B-8DAE-1953F412C126}" type="datetimeFigureOut">
               <a:rPr lang="en-US" smtClean="0"/>
               <a:pPr/>
-              <a:t>2/26/2018</a:t>
+              <a:t>5/8/2018</a:t>
             </a:fld>
             <a:endParaRPr lang="en-US" dirty="0"/>
           </a:p>
@@ -4362,7 +4362,7 @@
     </p:spTree>
     <p:extLst>
       <p:ext uri="{BB962C8B-B14F-4D97-AF65-F5344CB8AC3E}">
-        <p14:creationId xmlns:p14="http://schemas.microsoft.com/office/powerpoint/2010/main" xmlns="" val="70569158"/>
+        <p14:creationId xmlns="" xmlns:p14="http://schemas.microsoft.com/office/powerpoint/2010/main" val="70569158"/>
       </p:ext>
     </p:extLst>
   </p:cSld>
@@ -4435,7 +4435,7 @@
             <a:fld id="{48A87A34-81AB-432B-8DAE-1953F412C126}" type="datetimeFigureOut">
               <a:rPr lang="en-US" smtClean="0"/>
               <a:pPr/>
-              <a:t>2/26/2018</a:t>
+              <a:t>5/8/2018</a:t>
             </a:fld>
             <a:endParaRPr lang="en-US" dirty="0"/>
           </a:p>
@@ -4487,7 +4487,7 @@
     </p:spTree>
     <p:extLst>
       <p:ext uri="{BB962C8B-B14F-4D97-AF65-F5344CB8AC3E}">
-        <p14:creationId xmlns:p14="http://schemas.microsoft.com/office/powerpoint/2010/main" xmlns="" val="3956773614"/>
+        <p14:creationId xmlns="" xmlns:p14="http://schemas.microsoft.com/office/powerpoint/2010/main" val="3956773614"/>
       </p:ext>
     </p:extLst>
   </p:cSld>
@@ -4532,7 +4532,7 @@
             <a:fld id="{48A87A34-81AB-432B-8DAE-1953F412C126}" type="datetimeFigureOut">
               <a:rPr lang="en-US" smtClean="0"/>
               <a:pPr/>
-              <a:t>2/26/2018</a:t>
+              <a:t>5/8/2018</a:t>
             </a:fld>
             <a:endParaRPr lang="en-US" dirty="0"/>
           </a:p>
@@ -4584,7 +4584,7 @@
     </p:spTree>
     <p:extLst>
       <p:ext uri="{BB962C8B-B14F-4D97-AF65-F5344CB8AC3E}">
-        <p14:creationId xmlns:p14="http://schemas.microsoft.com/office/powerpoint/2010/main" xmlns="" val="843387325"/>
+        <p14:creationId xmlns="" xmlns:p14="http://schemas.microsoft.com/office/powerpoint/2010/main" val="843387325"/>
       </p:ext>
     </p:extLst>
   </p:cSld>
@@ -4789,7 +4789,7 @@
             <a:fld id="{48A87A34-81AB-432B-8DAE-1953F412C126}" type="datetimeFigureOut">
               <a:rPr lang="en-US" smtClean="0"/>
               <a:pPr/>
-              <a:t>2/26/2018</a:t>
+              <a:t>5/8/2018</a:t>
             </a:fld>
             <a:endParaRPr lang="en-US" dirty="0"/>
           </a:p>
@@ -4841,7 +4841,7 @@
     </p:spTree>
     <p:extLst>
       <p:ext uri="{BB962C8B-B14F-4D97-AF65-F5344CB8AC3E}">
-        <p14:creationId xmlns:p14="http://schemas.microsoft.com/office/powerpoint/2010/main" xmlns="" val="614752468"/>
+        <p14:creationId xmlns="" xmlns:p14="http://schemas.microsoft.com/office/powerpoint/2010/main" val="614752468"/>
       </p:ext>
     </p:extLst>
   </p:cSld>
@@ -5054,7 +5054,7 @@
             <a:fld id="{48A87A34-81AB-432B-8DAE-1953F412C126}" type="datetimeFigureOut">
               <a:rPr lang="en-US" smtClean="0"/>
               <a:pPr/>
-              <a:t>2/26/2018</a:t>
+              <a:t>5/8/2018</a:t>
             </a:fld>
             <a:endParaRPr lang="en-US" dirty="0"/>
           </a:p>
@@ -5106,7 +5106,7 @@
     </p:spTree>
     <p:extLst>
       <p:ext uri="{BB962C8B-B14F-4D97-AF65-F5344CB8AC3E}">
-        <p14:creationId xmlns:p14="http://schemas.microsoft.com/office/powerpoint/2010/main" xmlns="" val="2525773852"/>
+        <p14:creationId xmlns="" xmlns:p14="http://schemas.microsoft.com/office/powerpoint/2010/main" val="2525773852"/>
       </p:ext>
     </p:extLst>
   </p:cSld>
@@ -5799,7 +5799,7 @@
             <a:fld id="{48A87A34-81AB-432B-8DAE-1953F412C126}" type="datetimeFigureOut">
               <a:rPr lang="en-US" smtClean="0"/>
               <a:pPr/>
-              <a:t>2/26/2018</a:t>
+              <a:t>5/8/2018</a:t>
             </a:fld>
             <a:endParaRPr lang="en-US" dirty="0"/>
           </a:p>
@@ -5885,7 +5885,7 @@
     </p:spTree>
     <p:extLst>
       <p:ext uri="{BB962C8B-B14F-4D97-AF65-F5344CB8AC3E}">
-        <p14:creationId xmlns:p14="http://schemas.microsoft.com/office/powerpoint/2010/main" xmlns="" val="2849168193"/>
+        <p14:creationId xmlns="" xmlns:p14="http://schemas.microsoft.com/office/powerpoint/2010/main" val="2849168193"/>
       </p:ext>
     </p:extLst>
   </p:cSld>
@@ -6409,7 +6409,7 @@
     </p:spTree>
     <p:extLst>
       <p:ext uri="{BB962C8B-B14F-4D97-AF65-F5344CB8AC3E}">
-        <p14:creationId xmlns:p14="http://schemas.microsoft.com/office/powerpoint/2010/main" xmlns="" val="1597654807"/>
+        <p14:creationId xmlns="" xmlns:p14="http://schemas.microsoft.com/office/powerpoint/2010/main" val="1597654807"/>
       </p:ext>
     </p:extLst>
   </p:cSld>
@@ -6670,7 +6670,7 @@
     </p:spTree>
     <p:extLst>
       <p:ext uri="{BB962C8B-B14F-4D97-AF65-F5344CB8AC3E}">
-        <p14:creationId xmlns:p14="http://schemas.microsoft.com/office/powerpoint/2010/main" xmlns="" val="999608912"/>
+        <p14:creationId xmlns="" xmlns:p14="http://schemas.microsoft.com/office/powerpoint/2010/main" val="999608912"/>
       </p:ext>
     </p:extLst>
   </p:cSld>
@@ -6847,7 +6847,21 @@
                 <a:latin typeface="Ara Hamah Alislam" panose="00000500000000000000" pitchFamily="2" charset="-78"/>
                 <a:cs typeface="Ara Hamah Alislam" panose="00000500000000000000" pitchFamily="2" charset="-78"/>
               </a:rPr>
-              <a:t>رتب الروبوت قبل وضعه في الخزانة </a:t>
+              <a:t>رتب الروبوت قبل وضعه في </a:t>
+            </a:r>
+            <a:r>
+              <a:rPr lang="ar-EG" sz="5700" dirty="0" smtClean="0">
+                <a:latin typeface="Ara Hamah Alislam" panose="00000500000000000000" pitchFamily="2" charset="-78"/>
+                <a:cs typeface="Ara Hamah Alislam" panose="00000500000000000000" pitchFamily="2" charset="-78"/>
+              </a:rPr>
+              <a:t>الخزانة </a:t>
+            </a:r>
+            <a:r>
+              <a:rPr lang="en-US" sz="5700" smtClean="0">
+                <a:latin typeface="Ara Hamah Alislam" panose="00000500000000000000" pitchFamily="2" charset="-78"/>
+                <a:cs typeface="Ara Hamah Alislam" panose="00000500000000000000" pitchFamily="2" charset="-78"/>
+              </a:rPr>
+              <a:t> </a:t>
             </a:r>
             <a:endParaRPr lang="he-IL" sz="5700" dirty="0" smtClean="0">
               <a:latin typeface="Ara Hamah Alislam" panose="00000500000000000000" pitchFamily="2" charset="-78"/>
@@ -6858,7 +6872,7 @@
     </p:spTree>
     <p:extLst>
       <p:ext uri="{BB962C8B-B14F-4D97-AF65-F5344CB8AC3E}">
-        <p14:creationId xmlns:p14="http://schemas.microsoft.com/office/powerpoint/2010/main" xmlns="" val="306391445"/>
+        <p14:creationId xmlns="" xmlns:p14="http://schemas.microsoft.com/office/powerpoint/2010/main" val="306391445"/>
       </p:ext>
     </p:extLst>
   </p:cSld>
@@ -7064,7 +7078,7 @@
     </p:spTree>
     <p:extLst>
       <p:ext uri="{BB962C8B-B14F-4D97-AF65-F5344CB8AC3E}">
-        <p14:creationId xmlns:p14="http://schemas.microsoft.com/office/powerpoint/2010/main" xmlns="" val="2508929371"/>
+        <p14:creationId xmlns="" xmlns:p14="http://schemas.microsoft.com/office/powerpoint/2010/main" val="2508929371"/>
       </p:ext>
     </p:extLst>
   </p:cSld>
@@ -7233,7 +7247,7 @@
     </p:spTree>
     <p:extLst>
       <p:ext uri="{BB962C8B-B14F-4D97-AF65-F5344CB8AC3E}">
-        <p14:creationId xmlns:p14="http://schemas.microsoft.com/office/powerpoint/2010/main" xmlns="" val="2508929371"/>
+        <p14:creationId xmlns="" xmlns:p14="http://schemas.microsoft.com/office/powerpoint/2010/main" val="2508929371"/>
       </p:ext>
     </p:extLst>
   </p:cSld>
@@ -7593,7 +7607,7 @@
     </p:spTree>
     <p:extLst>
       <p:ext uri="{BB962C8B-B14F-4D97-AF65-F5344CB8AC3E}">
-        <p14:creationId xmlns:p14="http://schemas.microsoft.com/office/powerpoint/2010/main" xmlns="" val="2689518871"/>
+        <p14:creationId xmlns="" xmlns:p14="http://schemas.microsoft.com/office/powerpoint/2010/main" val="2689518871"/>
       </p:ext>
     </p:extLst>
   </p:cSld>
@@ -7883,7 +7897,7 @@
           <a:blip r:embed="rId2">
             <a:extLst>
               <a:ext uri="{BEBA8EAE-BF5A-486C-A8C5-ECC9F3942E4B}">
-                <a14:imgProps xmlns:a14="http://schemas.microsoft.com/office/drawing/2010/main" xmlns="">
+                <a14:imgProps xmlns="" xmlns:a14="http://schemas.microsoft.com/office/drawing/2010/main">
                   <a14:imgLayer r:embed="rId3">
                     <a14:imgEffect>
                       <a14:sharpenSoften amount="60000"/>
@@ -7892,7 +7906,7 @@
                 </a14:imgProps>
               </a:ext>
               <a:ext uri="{28A0092B-C50C-407E-A947-70E740481C1C}">
-                <a14:useLocalDpi xmlns:a14="http://schemas.microsoft.com/office/drawing/2010/main" xmlns="" val="0"/>
+                <a14:useLocalDpi xmlns="" xmlns:a14="http://schemas.microsoft.com/office/drawing/2010/main" val="0"/>
               </a:ext>
             </a:extLst>
           </a:blip>
@@ -7912,7 +7926,7 @@
     </p:spTree>
     <p:extLst>
       <p:ext uri="{BB962C8B-B14F-4D97-AF65-F5344CB8AC3E}">
-        <p14:creationId xmlns:p14="http://schemas.microsoft.com/office/powerpoint/2010/main" xmlns="" val="999608912"/>
+        <p14:creationId xmlns="" xmlns:p14="http://schemas.microsoft.com/office/powerpoint/2010/main" val="999608912"/>
       </p:ext>
     </p:extLst>
   </p:cSld>
@@ -8160,7 +8174,7 @@
     </p:spTree>
     <p:extLst>
       <p:ext uri="{BB962C8B-B14F-4D97-AF65-F5344CB8AC3E}">
-        <p14:creationId xmlns:p14="http://schemas.microsoft.com/office/powerpoint/2010/main" xmlns="" val="999608912"/>
+        <p14:creationId xmlns="" xmlns:p14="http://schemas.microsoft.com/office/powerpoint/2010/main" val="999608912"/>
       </p:ext>
     </p:extLst>
   </p:cSld>
@@ -8432,7 +8446,7 @@
     </p:spTree>
     <p:extLst>
       <p:ext uri="{BB962C8B-B14F-4D97-AF65-F5344CB8AC3E}">
-        <p14:creationId xmlns:p14="http://schemas.microsoft.com/office/powerpoint/2010/main" xmlns="" val="999608912"/>
+        <p14:creationId xmlns="" xmlns:p14="http://schemas.microsoft.com/office/powerpoint/2010/main" val="999608912"/>
       </p:ext>
     </p:extLst>
   </p:cSld>
@@ -8514,7 +8528,7 @@
           <a:blip r:embed="rId2">
             <a:extLst>
               <a:ext uri="{28A0092B-C50C-407E-A947-70E740481C1C}">
-                <a14:useLocalDpi xmlns:a14="http://schemas.microsoft.com/office/drawing/2010/main" xmlns="" val="0"/>
+                <a14:useLocalDpi xmlns="" xmlns:a14="http://schemas.microsoft.com/office/drawing/2010/main" val="0"/>
               </a:ext>
             </a:extLst>
           </a:blip>
@@ -8680,7 +8694,7 @@
     </p:spTree>
     <p:extLst>
       <p:ext uri="{BB962C8B-B14F-4D97-AF65-F5344CB8AC3E}">
-        <p14:creationId xmlns:p14="http://schemas.microsoft.com/office/powerpoint/2010/main" xmlns="" val="999608912"/>
+        <p14:creationId xmlns="" xmlns:p14="http://schemas.microsoft.com/office/powerpoint/2010/main" val="999608912"/>
       </p:ext>
     </p:extLst>
   </p:cSld>
@@ -8824,7 +8838,7 @@
           <a:blip r:embed="rId2">
             <a:extLst>
               <a:ext uri="{28A0092B-C50C-407E-A947-70E740481C1C}">
-                <a14:useLocalDpi xmlns:a14="http://schemas.microsoft.com/office/drawing/2010/main" xmlns="" val="0"/>
+                <a14:useLocalDpi xmlns="" xmlns:a14="http://schemas.microsoft.com/office/drawing/2010/main" val="0"/>
               </a:ext>
             </a:extLst>
           </a:blip>
@@ -8845,7 +8859,7 @@
     </p:spTree>
     <p:extLst>
       <p:ext uri="{BB962C8B-B14F-4D97-AF65-F5344CB8AC3E}">
-        <p14:creationId xmlns:p14="http://schemas.microsoft.com/office/powerpoint/2010/main" xmlns="" val="999608912"/>
+        <p14:creationId xmlns="" xmlns:p14="http://schemas.microsoft.com/office/powerpoint/2010/main" val="999608912"/>
       </p:ext>
     </p:extLst>
   </p:cSld>
@@ -9113,7 +9127,7 @@
   <a:extraClrSchemeLst/>
   <a:extLst>
     <a:ext uri="{05A4C25C-085E-4340-85A3-A5531E510DB2}">
-      <thm15:themeFamily xmlns:thm15="http://schemas.microsoft.com/office/thememl/2012/main" xmlns="" name="Facet" id="{C0C680CD-088A-49FC-A102-D699147F32B2}" vid="{CFBC31BA-B70F-4F30-BCAA-4F3011E16C4D}"/>
+      <thm15:themeFamily xmlns="" xmlns:thm15="http://schemas.microsoft.com/office/thememl/2012/main" name="Facet" id="{C0C680CD-088A-49FC-A102-D699147F32B2}" vid="{CFBC31BA-B70F-4F30-BCAA-4F3011E16C4D}"/>
     </a:ext>
   </a:extLst>
 </a:theme>
@@ -9374,7 +9388,7 @@
   <a:extraClrSchemeLst/>
   <a:extLst>
     <a:ext uri="{05A4C25C-085E-4340-85A3-A5531E510DB2}">
-      <thm15:themeFamily xmlns:thm15="http://schemas.microsoft.com/office/thememl/2012/main" xmlns="" name="Office Theme" id="{62F939B6-93AF-4DB8-9C6B-D6C7DFDC589F}" vid="{4A3C46E8-61CC-4603-A589-7422A47A8E4A}"/>
+      <thm15:themeFamily xmlns="" xmlns:thm15="http://schemas.microsoft.com/office/thememl/2012/main" name="Office Theme" id="{62F939B6-93AF-4DB8-9C6B-D6C7DFDC589F}" vid="{4A3C46E8-61CC-4603-A589-7422A47A8E4A}"/>
     </a:ext>
   </a:extLst>
 </a:theme>
